--- a/presentation.pptx
+++ b/presentation.pptx
@@ -4353,200 +4353,6 @@
           <a:chExt cx="0" cy="0"/>
         </a:xfrm>
       </p:grpSpPr>
-      <p:graphicFrame>
-        <p:nvGraphicFramePr>
-          <p:cNvPr id="6" name="Таблица 5"/>
-          <p:cNvGraphicFramePr>
-            <a:graphicFrameLocks noGrp="1"/>
-          </p:cNvGraphicFramePr>
-          <p:nvPr/>
-        </p:nvGraphicFramePr>
-        <p:xfrm>
-          <a:off x="2051467" y="4725015"/>
-          <a:ext cx="5664460" cy="1676400"/>
-        </p:xfrm>
-        <a:graphic>
-          <a:graphicData uri="http://schemas.openxmlformats.org/drawingml/2006/table">
-            <a:tbl>
-              <a:tblPr firstRow="1" bandRow="1">
-                <a:tableStyleId>{5C22544A-7EE6-4342-B048-85BDC9FD1C3A}</a:tableStyleId>
-              </a:tblPr>
-              <a:tblGrid>
-                <a:gridCol w="2714625"/>
-                <a:gridCol w="2949835"/>
-              </a:tblGrid>
-              <a:tr h="335280">
-                <a:tc>
-                  <a:txBody>
-                    <a:bodyPr/>
-                    <a:lstStyle/>
-                    <a:p>
-                      <a:pPr algn="ctr"/>
-                      <a:r>
-                        <a:rPr lang="ru-RU" sz="1600" dirty="0" smtClean="0"/>
-                        <a:t>Метрика</a:t>
-                      </a:r>
-                      <a:endParaRPr lang="ru-RU" sz="1600" dirty="0"/>
-                    </a:p>
-                  </a:txBody>
-                  <a:tcPr/>
-                </a:tc>
-                <a:tc>
-                  <a:txBody>
-                    <a:bodyPr/>
-                    <a:lstStyle/>
-                    <a:p>
-                      <a:pPr algn="ctr"/>
-                      <a:r>
-                        <a:rPr lang="ru-RU" sz="1600" dirty="0" smtClean="0"/>
-                        <a:t>Показатель</a:t>
-                      </a:r>
-                      <a:endParaRPr lang="ru-RU" sz="1600" dirty="0"/>
-                    </a:p>
-                  </a:txBody>
-                  <a:tcPr/>
-                </a:tc>
-              </a:tr>
-              <a:tr h="284431">
-                <a:tc>
-                  <a:txBody>
-                    <a:bodyPr/>
-                    <a:lstStyle/>
-                    <a:p>
-                      <a:r>
-                        <a:rPr lang="en-US" sz="1600" dirty="0" smtClean="0"/>
-                        <a:t>accuracy</a:t>
-                      </a:r>
-                      <a:endParaRPr lang="ru-RU" sz="1600" dirty="0"/>
-                    </a:p>
-                  </a:txBody>
-                  <a:tcPr/>
-                </a:tc>
-                <a:tc>
-                  <a:txBody>
-                    <a:bodyPr/>
-                    <a:lstStyle/>
-                    <a:p>
-                      <a:pPr algn="ctr"/>
-                      <a:r>
-                        <a:rPr lang="en-US" sz="1600" dirty="0" smtClean="0"/>
-                        <a:t>0,</a:t>
-                      </a:r>
-                      <a:r>
-                        <a:rPr lang="ru-RU" sz="1600" dirty="0" smtClean="0"/>
-                        <a:t>975</a:t>
-                      </a:r>
-                      <a:endParaRPr lang="ru-RU" sz="1600" dirty="0"/>
-                    </a:p>
-                  </a:txBody>
-                  <a:tcPr/>
-                </a:tc>
-              </a:tr>
-              <a:tr h="284431">
-                <a:tc>
-                  <a:txBody>
-                    <a:bodyPr/>
-                    <a:lstStyle/>
-                    <a:p>
-                      <a:r>
-                        <a:rPr lang="en-US" sz="1600" dirty="0" err="1" smtClean="0"/>
-                        <a:t>precision_macro</a:t>
-                      </a:r>
-                      <a:endParaRPr lang="ru-RU" sz="1600" dirty="0"/>
-                    </a:p>
-                  </a:txBody>
-                  <a:tcPr/>
-                </a:tc>
-                <a:tc>
-                  <a:txBody>
-                    <a:bodyPr/>
-                    <a:lstStyle/>
-                    <a:p>
-                      <a:pPr algn="ctr"/>
-                      <a:r>
-                        <a:rPr lang="en-US" sz="1600" dirty="0" smtClean="0"/>
-                        <a:t>0,97</a:t>
-                      </a:r>
-                      <a:r>
-                        <a:rPr lang="ru-RU" sz="1600" dirty="0" smtClean="0"/>
-                        <a:t>9</a:t>
-                      </a:r>
-                      <a:endParaRPr lang="ru-RU" sz="1600" dirty="0"/>
-                    </a:p>
-                  </a:txBody>
-                  <a:tcPr/>
-                </a:tc>
-              </a:tr>
-              <a:tr h="284431">
-                <a:tc>
-                  <a:txBody>
-                    <a:bodyPr/>
-                    <a:lstStyle/>
-                    <a:p>
-                      <a:r>
-                        <a:rPr lang="en-US" sz="1600" dirty="0" err="1" smtClean="0"/>
-                        <a:t>recall_macro</a:t>
-                      </a:r>
-                      <a:endParaRPr lang="ru-RU" sz="1600" dirty="0"/>
-                    </a:p>
-                  </a:txBody>
-                  <a:tcPr/>
-                </a:tc>
-                <a:tc>
-                  <a:txBody>
-                    <a:bodyPr/>
-                    <a:lstStyle/>
-                    <a:p>
-                      <a:pPr algn="ctr"/>
-                      <a:r>
-                        <a:rPr lang="en-US" sz="1600" dirty="0" smtClean="0"/>
-                        <a:t>0,9</a:t>
-                      </a:r>
-                      <a:r>
-                        <a:rPr lang="ru-RU" sz="1600" dirty="0" smtClean="0"/>
-                        <a:t>72</a:t>
-                      </a:r>
-                      <a:endParaRPr lang="ru-RU" sz="1600" dirty="0"/>
-                    </a:p>
-                  </a:txBody>
-                  <a:tcPr/>
-                </a:tc>
-              </a:tr>
-              <a:tr h="284431">
-                <a:tc>
-                  <a:txBody>
-                    <a:bodyPr/>
-                    <a:lstStyle/>
-                    <a:p>
-                      <a:r>
-                        <a:rPr lang="en-US" sz="1600" dirty="0" smtClean="0"/>
-                        <a:t>f1_macro</a:t>
-                      </a:r>
-                      <a:endParaRPr lang="ru-RU" sz="1600" dirty="0"/>
-                    </a:p>
-                  </a:txBody>
-                  <a:tcPr/>
-                </a:tc>
-                <a:tc>
-                  <a:txBody>
-                    <a:bodyPr/>
-                    <a:lstStyle/>
-                    <a:p>
-                      <a:pPr algn="ctr"/>
-                      <a:r>
-                        <a:rPr lang="en-US" sz="1600" dirty="0" smtClean="0"/>
-                        <a:t>0,971</a:t>
-                      </a:r>
-                      <a:endParaRPr lang="ru-RU" sz="1600" dirty="0"/>
-                    </a:p>
-                  </a:txBody>
-                  <a:tcPr/>
-                </a:tc>
-              </a:tr>
-            </a:tbl>
-          </a:graphicData>
-        </a:graphic>
-      </p:graphicFrame>
       <p:sp>
         <p:nvSpPr>
           <p:cNvPr id="8" name="TextBox 7"/>
@@ -4586,8 +4392,8 @@
         </p:nvSpPr>
         <p:spPr>
           <a:xfrm>
-            <a:off x="3131587" y="3789322"/>
-            <a:ext cx="3156382" cy="338554"/>
+            <a:off x="2915687" y="5589547"/>
+            <a:ext cx="3156382" cy="337185"/>
           </a:xfrm>
           <a:prstGeom prst="rect">
             <a:avLst/>
@@ -4603,15 +4409,7 @@
             <a:pPr algn="ctr"/>
             <a:r>
               <a:rPr lang="ru-RU" sz="1600" b="1" dirty="0" smtClean="0"/>
-              <a:t>МЕТРИКИ (на 5 </a:t>
-            </a:r>
-            <a:r>
-              <a:rPr lang="ru-RU" sz="1600" b="1" dirty="0" err="1" smtClean="0"/>
-              <a:t>фолдах</a:t>
-            </a:r>
-            <a:r>
-              <a:rPr lang="ru-RU" sz="1600" b="1" dirty="0" smtClean="0"/>
-              <a:t>)</a:t>
+              <a:t>МЕТРИКА</a:t>
             </a:r>
             <a:endParaRPr lang="ru-RU" sz="1600" dirty="0"/>
           </a:p>
@@ -4625,8 +4423,8 @@
         </p:nvSpPr>
         <p:spPr>
           <a:xfrm>
-            <a:off x="5795357" y="1916338"/>
-            <a:ext cx="1728192" cy="337185"/>
+            <a:off x="539750" y="3141345"/>
+            <a:ext cx="3190240" cy="1814830"/>
           </a:xfrm>
           <a:prstGeom prst="rect">
             <a:avLst/>
@@ -4651,6 +4449,28 @@
               <a:rPr lang="en-US" sz="1600" dirty="0" err="1"/>
               <a:t>Bert</a:t>
             </a:r>
+            <a:endParaRPr lang="en-US" sz="1600" dirty="0" err="1"/>
+          </a:p>
+          <a:p>
+            <a:pPr marL="285750" indent="-285750" algn="l">
+              <a:buFont typeface="Arial" panose="020B0604020202020204" pitchFamily="34" charset="0"/>
+              <a:buChar char="•"/>
+            </a:pPr>
+            <a:r>
+              <a:rPr lang="ru-RU" sz="1600" dirty="0"/>
+              <a:t>предсказание вида документа по каждому предложению</a:t>
+            </a:r>
+            <a:endParaRPr lang="ru-RU" sz="1600" dirty="0"/>
+          </a:p>
+          <a:p>
+            <a:pPr marL="285750" indent="-285750" algn="l">
+              <a:buFont typeface="Arial" panose="020B0604020202020204" pitchFamily="34" charset="0"/>
+              <a:buChar char="•"/>
+            </a:pPr>
+            <a:r>
+              <a:rPr lang="ru-RU" sz="1600" dirty="0"/>
+              <a:t>ансаблирование результатов предсказанных видов документов в целом по всем предложениям</a:t>
+            </a:r>
             <a:endParaRPr lang="ru-RU" sz="1600" dirty="0"/>
           </a:p>
         </p:txBody>
@@ -4663,7 +4483,7 @@
         </p:nvSpPr>
         <p:spPr>
           <a:xfrm>
-            <a:off x="4427994" y="1981495"/>
+            <a:off x="4212729" y="1383325"/>
             <a:ext cx="360040" cy="272219"/>
           </a:xfrm>
           <a:prstGeom prst="rightArrow">
@@ -4697,14 +4517,14 @@
       </p:sp>
       <p:sp>
         <p:nvSpPr>
-          <p:cNvPr id="2" name="TextBox 10"/>
+          <p:cNvPr id="4" name="TextBox 10"/>
           <p:cNvSpPr txBox="1"/>
           <p:nvPr/>
         </p:nvSpPr>
         <p:spPr>
           <a:xfrm>
-            <a:off x="1331307" y="1793148"/>
-            <a:ext cx="1728192" cy="583565"/>
+            <a:off x="1044575" y="981075"/>
+            <a:ext cx="1728470" cy="1100455"/>
           </a:xfrm>
           <a:prstGeom prst="rect">
             <a:avLst/>
@@ -4720,15 +4540,209 @@
         </p:spPr>
         <p:txBody>
           <a:bodyPr wrap="square" rtlCol="0">
+            <a:noAutofit/>
+          </a:bodyPr>
+          <a:p>
+            <a:pPr algn="ctr"/>
+            <a:r>
+              <a:rPr lang="ru-RU" sz="1600" dirty="0"/>
+              <a:t>предобработка текста документов</a:t>
+            </a:r>
+            <a:endParaRPr lang="ru-RU" sz="1600" dirty="0"/>
+          </a:p>
+        </p:txBody>
+      </p:sp>
+      <p:sp>
+        <p:nvSpPr>
+          <p:cNvPr id="5" name="Стрелка вправо 12"/>
+          <p:cNvSpPr/>
+          <p:nvPr/>
+        </p:nvSpPr>
+        <p:spPr>
+          <a:xfrm rot="10800000">
+            <a:off x="4356239" y="3913165"/>
+            <a:ext cx="360040" cy="272219"/>
+          </a:xfrm>
+          <a:prstGeom prst="rightArrow">
+            <a:avLst/>
+          </a:prstGeom>
+        </p:spPr>
+        <p:style>
+          <a:lnRef idx="2">
+            <a:schemeClr val="accent1">
+              <a:shade val="50000"/>
+            </a:schemeClr>
+          </a:lnRef>
+          <a:fillRef idx="1">
+            <a:schemeClr val="accent1"/>
+          </a:fillRef>
+          <a:effectRef idx="0">
+            <a:schemeClr val="accent1"/>
+          </a:effectRef>
+          <a:fontRef idx="minor">
+            <a:schemeClr val="lt1"/>
+          </a:fontRef>
+        </p:style>
+        <p:txBody>
+          <a:bodyPr rtlCol="0" anchor="ctr"/>
+          <a:p>
+            <a:pPr algn="ctr"/>
+            <a:endParaRPr lang="ru-RU"/>
+          </a:p>
+        </p:txBody>
+      </p:sp>
+      <p:sp>
+        <p:nvSpPr>
+          <p:cNvPr id="7" name="TextBox 10"/>
+          <p:cNvSpPr txBox="1"/>
+          <p:nvPr/>
+        </p:nvSpPr>
+        <p:spPr>
+          <a:xfrm>
+            <a:off x="5724525" y="3239135"/>
+            <a:ext cx="2447925" cy="1568450"/>
+          </a:xfrm>
+          <a:prstGeom prst="rect">
+            <a:avLst/>
+          </a:prstGeom>
+          <a:noFill/>
+          <a:ln>
+            <a:solidFill>
+              <a:schemeClr val="accent1">
+                <a:shade val="50000"/>
+              </a:schemeClr>
+            </a:solidFill>
+          </a:ln>
+        </p:spPr>
+        <p:txBody>
+          <a:bodyPr wrap="square" rtlCol="0">
             <a:spAutoFit/>
           </a:bodyPr>
           <a:p>
+            <a:pPr indent="0" algn="ctr">
+              <a:buFont typeface="Arial" panose="020B0604020202020204" pitchFamily="34" charset="0"/>
+              <a:buNone/>
+            </a:pPr>
+            <a:r>
+              <a:rPr lang="ru-RU" sz="1600" dirty="0"/>
+              <a:t>удаление предложений, в котором менее 5 слов, если в предложении есть ключенвые слова - предложение не удаляються</a:t>
+            </a:r>
+            <a:endParaRPr lang="ru-RU" sz="1600" dirty="0"/>
+          </a:p>
+        </p:txBody>
+      </p:sp>
+      <p:sp>
+        <p:nvSpPr>
+          <p:cNvPr id="12" name="TextBox 10"/>
+          <p:cNvSpPr txBox="1"/>
+          <p:nvPr/>
+        </p:nvSpPr>
+        <p:spPr>
+          <a:xfrm>
+            <a:off x="3563967" y="6237513"/>
+            <a:ext cx="1728192" cy="337185"/>
+          </a:xfrm>
+          <a:prstGeom prst="rect">
+            <a:avLst/>
+          </a:prstGeom>
+          <a:noFill/>
+          <a:ln>
+            <a:solidFill>
+              <a:schemeClr val="accent1">
+                <a:shade val="50000"/>
+              </a:schemeClr>
+            </a:solidFill>
+          </a:ln>
+        </p:spPr>
+        <p:txBody>
+          <a:bodyPr wrap="square" rtlCol="0">
+            <a:spAutoFit/>
+          </a:bodyPr>
+          <a:p>
             <a:pPr algn="ctr"/>
             <a:r>
+              <a:rPr lang="en-US" sz="1600">
+                <a:sym typeface="+mn-ea"/>
+              </a:rPr>
+              <a:t>f1 - 0.96</a:t>
+            </a:r>
+            <a:endParaRPr lang="ru-RU" sz="1600" dirty="0"/>
+          </a:p>
+        </p:txBody>
+      </p:sp>
+      <p:sp>
+        <p:nvSpPr>
+          <p:cNvPr id="2" name="TextBox 10"/>
+          <p:cNvSpPr txBox="1"/>
+          <p:nvPr/>
+        </p:nvSpPr>
+        <p:spPr>
+          <a:xfrm>
+            <a:off x="6011892" y="980983"/>
+            <a:ext cx="1728192" cy="1076325"/>
+          </a:xfrm>
+          <a:prstGeom prst="rect">
+            <a:avLst/>
+          </a:prstGeom>
+          <a:noFill/>
+          <a:ln>
+            <a:solidFill>
+              <a:schemeClr val="accent1">
+                <a:shade val="50000"/>
+              </a:schemeClr>
+            </a:solidFill>
+          </a:ln>
+        </p:spPr>
+        <p:txBody>
+          <a:bodyPr wrap="square" rtlCol="0">
+            <a:spAutoFit/>
+          </a:bodyPr>
+          <a:p>
+            <a:pPr algn="ctr"/>
+            <a:r>
               <a:rPr lang="ru-RU" sz="1600" dirty="0"/>
-              <a:t>Предобработка текста документа</a:t>
+              <a:t>разбитие текста документа на отдельные предложения</a:t>
             </a:r>
             <a:endParaRPr lang="ru-RU" sz="1600" dirty="0"/>
+          </a:p>
+        </p:txBody>
+      </p:sp>
+      <p:sp>
+        <p:nvSpPr>
+          <p:cNvPr id="3" name="Стрелка вправо 12"/>
+          <p:cNvSpPr/>
+          <p:nvPr/>
+        </p:nvSpPr>
+        <p:spPr>
+          <a:xfrm rot="5400000">
+            <a:off x="6688594" y="2537120"/>
+            <a:ext cx="360040" cy="272219"/>
+          </a:xfrm>
+          <a:prstGeom prst="rightArrow">
+            <a:avLst/>
+          </a:prstGeom>
+        </p:spPr>
+        <p:style>
+          <a:lnRef idx="2">
+            <a:schemeClr val="accent1">
+              <a:shade val="50000"/>
+            </a:schemeClr>
+          </a:lnRef>
+          <a:fillRef idx="1">
+            <a:schemeClr val="accent1"/>
+          </a:fillRef>
+          <a:effectRef idx="0">
+            <a:schemeClr val="accent1"/>
+          </a:effectRef>
+          <a:fontRef idx="minor">
+            <a:schemeClr val="lt1"/>
+          </a:fontRef>
+        </p:style>
+        <p:txBody>
+          <a:bodyPr rtlCol="0" anchor="ctr"/>
+          <a:p>
+            <a:pPr algn="ctr"/>
+            <a:endParaRPr lang="ru-RU"/>
           </a:p>
         </p:txBody>
       </p:sp>
@@ -5002,11 +5016,7 @@
             </a:r>
             <a:r>
               <a:rPr lang="ru-RU" sz="1600" dirty="0" smtClean="0"/>
-              <a:t> (капитан</a:t>
-            </a:r>
-            <a:r>
-              <a:rPr lang="ru-RU" sz="1600" dirty="0" smtClean="0"/>
-              <a:t>) </a:t>
+              <a:t>                    </a:t>
             </a:r>
             <a:r>
               <a:rPr lang="en-US" sz="1600" dirty="0" smtClean="0"/>
@@ -5058,7 +5068,15 @@
             </a:r>
             <a:r>
               <a:rPr lang="en-US" sz="1600" dirty="0"/>
-              <a:t>                       </a:t>
+              <a:t>       </a:t>
+            </a:r>
+            <a:r>
+              <a:rPr lang="ru-RU" altLang="en-US" sz="1600" dirty="0"/>
+              <a:t> </a:t>
+            </a:r>
+            <a:r>
+              <a:rPr lang="en-US" sz="1600" dirty="0"/>
+              <a:t>                </a:t>
             </a:r>
             <a:r>
               <a:rPr lang="en-US" sz="1600" dirty="0" smtClean="0"/>
